--- a/Full Stack Engineer/Week 5 Tailwind/Tailwind.pptx
+++ b/Full Stack Engineer/Week 5 Tailwind/Tailwind.pptx
@@ -10,11 +10,20 @@
     <p:sldId id="258" r:id="rId4"/>
     <p:sldId id="259" r:id="rId5"/>
     <p:sldId id="260" r:id="rId6"/>
-    <p:sldId id="261" r:id="rId7"/>
-    <p:sldId id="262" r:id="rId8"/>
-    <p:sldId id="263" r:id="rId9"/>
-    <p:sldId id="264" r:id="rId10"/>
-    <p:sldId id="265" r:id="rId11"/>
+    <p:sldId id="266" r:id="rId7"/>
+    <p:sldId id="267" r:id="rId8"/>
+    <p:sldId id="268" r:id="rId9"/>
+    <p:sldId id="261" r:id="rId10"/>
+    <p:sldId id="262" r:id="rId11"/>
+    <p:sldId id="263" r:id="rId12"/>
+    <p:sldId id="264" r:id="rId13"/>
+    <p:sldId id="265" r:id="rId14"/>
+    <p:sldId id="269" r:id="rId15"/>
+    <p:sldId id="270" r:id="rId16"/>
+    <p:sldId id="271" r:id="rId17"/>
+    <p:sldId id="272" r:id="rId18"/>
+    <p:sldId id="273" r:id="rId19"/>
+    <p:sldId id="274" r:id="rId20"/>
   </p:sldIdLst>
   <p:sldSz cx="12192000" cy="6858000"/>
   <p:notesSz cx="6858000" cy="9144000"/>
@@ -113,6 +122,86 @@
       </a:defRPr>
     </a:lvl9pPr>
   </p:defaultTextStyle>
+  <p:extLst>
+    <p:ext uri="{521415D9-36F7-43E2-AB2F-B90AF26B5E84}">
+      <p14:sectionLst xmlns:p14="http://schemas.microsoft.com/office/powerpoint/2010/main">
+        <p14:section name="Tailwind" id="{1A60F3CF-B175-4DB6-AAC0-C699ACE93C4C}">
+          <p14:sldIdLst>
+            <p14:sldId id="256"/>
+          </p14:sldIdLst>
+        </p14:section>
+        <p14:section name="Set Up" id="{4C10AEA2-5351-4EC6-9166-8FA385EB609D}">
+          <p14:sldIdLst>
+            <p14:sldId id="257"/>
+            <p14:sldId id="258"/>
+            <p14:sldId id="259"/>
+          </p14:sldIdLst>
+        </p14:section>
+        <p14:section name="Layout (Width, Height, Container)" id="{A14C9481-C73E-4AA0-8321-198012A58153}">
+          <p14:sldIdLst>
+            <p14:sldId id="260"/>
+          </p14:sldIdLst>
+        </p14:section>
+        <p14:section name="Padding &amp; Margin" id="{0BED1D69-9F8F-46E1-8ED6-7580CE607515}">
+          <p14:sldIdLst>
+            <p14:sldId id="266"/>
+          </p14:sldIdLst>
+        </p14:section>
+        <p14:section name="Text, Font, Alignment &amp; Color" id="{2EA44E36-A5EF-44B4-979C-51E143871847}">
+          <p14:sldIdLst>
+            <p14:sldId id="267"/>
+          </p14:sldIdLst>
+        </p14:section>
+        <p14:section name="Background &amp; Border Color" id="{10C6FD37-DE0A-4AE6-87B5-E83DA7F863F5}">
+          <p14:sldIdLst>
+            <p14:sldId id="268"/>
+          </p14:sldIdLst>
+        </p14:section>
+        <p14:section name="FlexBox" id="{3B302FB5-A718-43E2-8F41-0C5BC1ACADF5}">
+          <p14:sldIdLst>
+            <p14:sldId id="261"/>
+          </p14:sldIdLst>
+        </p14:section>
+        <p14:section name="Grid" id="{60FC668D-4800-46D6-9910-1C8297524B76}">
+          <p14:sldIdLst>
+            <p14:sldId id="262"/>
+          </p14:sldIdLst>
+        </p14:section>
+        <p14:section name="Borders &amp; Radius" id="{137A422F-9ADD-4759-8C69-E32E7BD8550A}">
+          <p14:sldIdLst>
+            <p14:sldId id="263"/>
+          </p14:sldIdLst>
+        </p14:section>
+        <p14:section name="Shadow &amp; Responsive Design" id="{1137763F-FD78-49CF-9009-E2F9EB7705AB}">
+          <p14:sldIdLst>
+            <p14:sldId id="264"/>
+          </p14:sldIdLst>
+        </p14:section>
+        <p14:section name="Hover, Focus, Active" id="{4DA51273-24CD-4A3F-83E0-9C1EE2B1495E}">
+          <p14:sldIdLst>
+            <p14:sldId id="265"/>
+          </p14:sldIdLst>
+        </p14:section>
+        <p14:section name="Display &amp; Position" id="{EE817710-59F9-4C0D-A18C-A75A9E197599}">
+          <p14:sldIdLst>
+            <p14:sldId id="269"/>
+          </p14:sldIdLst>
+        </p14:section>
+        <p14:section name="Overflow, Scroll &amp; Z-index" id="{A0474615-0E73-4D84-97F6-E0D81246B83C}">
+          <p14:sldIdLst>
+            <p14:sldId id="270"/>
+            <p14:sldId id="271"/>
+            <p14:sldId id="272"/>
+            <p14:sldId id="273"/>
+            <p14:sldId id="274"/>
+          </p14:sldIdLst>
+        </p14:section>
+      </p14:sectionLst>
+    </p:ext>
+    <p:ext uri="{EFAFB233-063F-42B5-8137-9DF3F51BA10A}">
+      <p15:sldGuideLst xmlns:p15="http://schemas.microsoft.com/office/powerpoint/2012/main"/>
+    </p:ext>
+  </p:extLst>
 </p:presentation>
 </file>
 
@@ -265,7 +354,7 @@
           <a:p>
             <a:fld id="{3F5F1F1A-D3FF-4002-852C-FAC3F3D11948}" type="datetimeFigureOut">
               <a:rPr lang="en-IN" smtClean="0"/>
-              <a:t>20-01-2026</a:t>
+              <a:t>21-01-2026</a:t>
             </a:fld>
             <a:endParaRPr lang="en-IN"/>
           </a:p>
@@ -465,7 +554,7 @@
           <a:p>
             <a:fld id="{3F5F1F1A-D3FF-4002-852C-FAC3F3D11948}" type="datetimeFigureOut">
               <a:rPr lang="en-IN" smtClean="0"/>
-              <a:t>20-01-2026</a:t>
+              <a:t>21-01-2026</a:t>
             </a:fld>
             <a:endParaRPr lang="en-IN"/>
           </a:p>
@@ -675,7 +764,7 @@
           <a:p>
             <a:fld id="{3F5F1F1A-D3FF-4002-852C-FAC3F3D11948}" type="datetimeFigureOut">
               <a:rPr lang="en-IN" smtClean="0"/>
-              <a:t>20-01-2026</a:t>
+              <a:t>21-01-2026</a:t>
             </a:fld>
             <a:endParaRPr lang="en-IN"/>
           </a:p>
@@ -875,7 +964,7 @@
           <a:p>
             <a:fld id="{3F5F1F1A-D3FF-4002-852C-FAC3F3D11948}" type="datetimeFigureOut">
               <a:rPr lang="en-IN" smtClean="0"/>
-              <a:t>20-01-2026</a:t>
+              <a:t>21-01-2026</a:t>
             </a:fld>
             <a:endParaRPr lang="en-IN"/>
           </a:p>
@@ -1151,7 +1240,7 @@
           <a:p>
             <a:fld id="{3F5F1F1A-D3FF-4002-852C-FAC3F3D11948}" type="datetimeFigureOut">
               <a:rPr lang="en-IN" smtClean="0"/>
-              <a:t>20-01-2026</a:t>
+              <a:t>21-01-2026</a:t>
             </a:fld>
             <a:endParaRPr lang="en-IN"/>
           </a:p>
@@ -1419,7 +1508,7 @@
           <a:p>
             <a:fld id="{3F5F1F1A-D3FF-4002-852C-FAC3F3D11948}" type="datetimeFigureOut">
               <a:rPr lang="en-IN" smtClean="0"/>
-              <a:t>20-01-2026</a:t>
+              <a:t>21-01-2026</a:t>
             </a:fld>
             <a:endParaRPr lang="en-IN"/>
           </a:p>
@@ -1834,7 +1923,7 @@
           <a:p>
             <a:fld id="{3F5F1F1A-D3FF-4002-852C-FAC3F3D11948}" type="datetimeFigureOut">
               <a:rPr lang="en-IN" smtClean="0"/>
-              <a:t>20-01-2026</a:t>
+              <a:t>21-01-2026</a:t>
             </a:fld>
             <a:endParaRPr lang="en-IN"/>
           </a:p>
@@ -1976,7 +2065,7 @@
           <a:p>
             <a:fld id="{3F5F1F1A-D3FF-4002-852C-FAC3F3D11948}" type="datetimeFigureOut">
               <a:rPr lang="en-IN" smtClean="0"/>
-              <a:t>20-01-2026</a:t>
+              <a:t>21-01-2026</a:t>
             </a:fld>
             <a:endParaRPr lang="en-IN"/>
           </a:p>
@@ -2089,7 +2178,7 @@
           <a:p>
             <a:fld id="{3F5F1F1A-D3FF-4002-852C-FAC3F3D11948}" type="datetimeFigureOut">
               <a:rPr lang="en-IN" smtClean="0"/>
-              <a:t>20-01-2026</a:t>
+              <a:t>21-01-2026</a:t>
             </a:fld>
             <a:endParaRPr lang="en-IN"/>
           </a:p>
@@ -2402,7 +2491,7 @@
           <a:p>
             <a:fld id="{3F5F1F1A-D3FF-4002-852C-FAC3F3D11948}" type="datetimeFigureOut">
               <a:rPr lang="en-IN" smtClean="0"/>
-              <a:t>20-01-2026</a:t>
+              <a:t>21-01-2026</a:t>
             </a:fld>
             <a:endParaRPr lang="en-IN"/>
           </a:p>
@@ -2691,7 +2780,7 @@
           <a:p>
             <a:fld id="{3F5F1F1A-D3FF-4002-852C-FAC3F3D11948}" type="datetimeFigureOut">
               <a:rPr lang="en-IN" smtClean="0"/>
-              <a:t>20-01-2026</a:t>
+              <a:t>21-01-2026</a:t>
             </a:fld>
             <a:endParaRPr lang="en-IN"/>
           </a:p>
@@ -2934,7 +3023,7 @@
           <a:p>
             <a:fld id="{3F5F1F1A-D3FF-4002-852C-FAC3F3D11948}" type="datetimeFigureOut">
               <a:rPr lang="en-IN" smtClean="0"/>
-              <a:t>20-01-2026</a:t>
+              <a:t>21-01-2026</a:t>
             </a:fld>
             <a:endParaRPr lang="en-IN"/>
           </a:p>
@@ -3372,32 +3461,14 @@
           <a:bodyPr/>
           <a:lstStyle/>
           <a:p>
-            <a:endParaRPr lang="en-IN"/>
-          </a:p>
-        </p:txBody>
-      </p:sp>
-      <p:sp>
-        <p:nvSpPr>
-          <p:cNvPr id="3" name="Subtitle 2">
-            <a:extLst>
-              <a:ext uri="{FF2B5EF4-FFF2-40B4-BE49-F238E27FC236}">
-                <a16:creationId xmlns:a16="http://schemas.microsoft.com/office/drawing/2014/main" id="{5AC175A3-09E0-45FE-9EBA-DF5E335FB206}"/>
-              </a:ext>
-            </a:extLst>
-          </p:cNvPr>
-          <p:cNvSpPr>
-            <a:spLocks noGrp="1"/>
-          </p:cNvSpPr>
-          <p:nvPr>
-            <p:ph type="subTitle" idx="1"/>
-          </p:nvPr>
-        </p:nvSpPr>
-        <p:spPr/>
-        <p:txBody>
-          <a:bodyPr/>
-          <a:lstStyle/>
-          <a:p>
-            <a:endParaRPr lang="en-IN"/>
+            <a:r>
+              <a:rPr lang="en-IN" b="1" dirty="0">
+                <a:solidFill>
+                  <a:srgbClr val="FF0000"/>
+                </a:solidFill>
+              </a:rPr>
+              <a:t>Tailwind</a:t>
+            </a:r>
           </a:p>
         </p:txBody>
       </p:sp>
@@ -3431,10 +3502,460 @@
           <a:chExt cx="0" cy="0"/>
         </a:xfrm>
       </p:grpSpPr>
+      <p:pic>
+        <p:nvPicPr>
+          <p:cNvPr id="3" name="Picture 2">
+            <a:extLst>
+              <a:ext uri="{FF2B5EF4-FFF2-40B4-BE49-F238E27FC236}">
+                <a16:creationId xmlns:a16="http://schemas.microsoft.com/office/drawing/2014/main" id="{C3E1982A-BB30-4F75-83A3-F99221072527}"/>
+              </a:ext>
+            </a:extLst>
+          </p:cNvPr>
+          <p:cNvPicPr>
+            <a:picLocks noChangeAspect="1"/>
+          </p:cNvPicPr>
+          <p:nvPr/>
+        </p:nvPicPr>
+        <p:blipFill>
+          <a:blip r:embed="rId2"/>
+          <a:stretch>
+            <a:fillRect/>
+          </a:stretch>
+        </p:blipFill>
+        <p:spPr>
+          <a:xfrm>
+            <a:off x="1186740" y="256390"/>
+            <a:ext cx="9818520" cy="6345218"/>
+          </a:xfrm>
+          <a:prstGeom prst="rect">
+            <a:avLst/>
+          </a:prstGeom>
+        </p:spPr>
+      </p:pic>
+    </p:spTree>
+    <p:extLst>
+      <p:ext uri="{BB962C8B-B14F-4D97-AF65-F5344CB8AC3E}">
+        <p14:creationId xmlns:p14="http://schemas.microsoft.com/office/powerpoint/2010/main" val="2416227505"/>
+      </p:ext>
+    </p:extLst>
+  </p:cSld>
+  <p:clrMapOvr>
+    <a:masterClrMapping/>
+  </p:clrMapOvr>
+</p:sld>
+</file>
+
+<file path=ppt/slides/slide11.xml><?xml version="1.0" encoding="utf-8"?>
+<p:sld xmlns:a="http://schemas.openxmlformats.org/drawingml/2006/main" xmlns:r="http://schemas.openxmlformats.org/officeDocument/2006/relationships" xmlns:p="http://schemas.openxmlformats.org/presentationml/2006/main">
+  <p:cSld>
+    <p:spTree>
+      <p:nvGrpSpPr>
+        <p:cNvPr id="1" name=""/>
+        <p:cNvGrpSpPr/>
+        <p:nvPr/>
+      </p:nvGrpSpPr>
+      <p:grpSpPr>
+        <a:xfrm>
+          <a:off x="0" y="0"/>
+          <a:ext cx="0" cy="0"/>
+          <a:chOff x="0" y="0"/>
+          <a:chExt cx="0" cy="0"/>
+        </a:xfrm>
+      </p:grpSpPr>
+      <p:pic>
+        <p:nvPicPr>
+          <p:cNvPr id="3" name="Picture 2">
+            <a:extLst>
+              <a:ext uri="{FF2B5EF4-FFF2-40B4-BE49-F238E27FC236}">
+                <a16:creationId xmlns:a16="http://schemas.microsoft.com/office/drawing/2014/main" id="{A39DF5E0-7E8C-45C5-A921-D5AA2FFA8B6B}"/>
+              </a:ext>
+            </a:extLst>
+          </p:cNvPr>
+          <p:cNvPicPr>
+            <a:picLocks noChangeAspect="1"/>
+          </p:cNvPicPr>
+          <p:nvPr/>
+        </p:nvPicPr>
+        <p:blipFill>
+          <a:blip r:embed="rId2"/>
+          <a:stretch>
+            <a:fillRect/>
+          </a:stretch>
+        </p:blipFill>
+        <p:spPr>
+          <a:xfrm>
+            <a:off x="140945" y="1283100"/>
+            <a:ext cx="11910111" cy="4291799"/>
+          </a:xfrm>
+          <a:prstGeom prst="rect">
+            <a:avLst/>
+          </a:prstGeom>
+        </p:spPr>
+      </p:pic>
+    </p:spTree>
+    <p:extLst>
+      <p:ext uri="{BB962C8B-B14F-4D97-AF65-F5344CB8AC3E}">
+        <p14:creationId xmlns:p14="http://schemas.microsoft.com/office/powerpoint/2010/main" val="4060154787"/>
+      </p:ext>
+    </p:extLst>
+  </p:cSld>
+  <p:clrMapOvr>
+    <a:masterClrMapping/>
+  </p:clrMapOvr>
+</p:sld>
+</file>
+
+<file path=ppt/slides/slide12.xml><?xml version="1.0" encoding="utf-8"?>
+<p:sld xmlns:a="http://schemas.openxmlformats.org/drawingml/2006/main" xmlns:r="http://schemas.openxmlformats.org/officeDocument/2006/relationships" xmlns:p="http://schemas.openxmlformats.org/presentationml/2006/main">
+  <p:cSld>
+    <p:spTree>
+      <p:nvGrpSpPr>
+        <p:cNvPr id="1" name=""/>
+        <p:cNvGrpSpPr/>
+        <p:nvPr/>
+      </p:nvGrpSpPr>
+      <p:grpSpPr>
+        <a:xfrm>
+          <a:off x="0" y="0"/>
+          <a:ext cx="0" cy="0"/>
+          <a:chOff x="0" y="0"/>
+          <a:chExt cx="0" cy="0"/>
+        </a:xfrm>
+      </p:grpSpPr>
+      <p:pic>
+        <p:nvPicPr>
+          <p:cNvPr id="3" name="Picture 2">
+            <a:extLst>
+              <a:ext uri="{FF2B5EF4-FFF2-40B4-BE49-F238E27FC236}">
+                <a16:creationId xmlns:a16="http://schemas.microsoft.com/office/drawing/2014/main" id="{E61249EB-1848-45BD-8403-B876B673196D}"/>
+              </a:ext>
+            </a:extLst>
+          </p:cNvPr>
+          <p:cNvPicPr>
+            <a:picLocks noChangeAspect="1"/>
+          </p:cNvPicPr>
+          <p:nvPr/>
+        </p:nvPicPr>
+        <p:blipFill>
+          <a:blip r:embed="rId2"/>
+          <a:stretch>
+            <a:fillRect/>
+          </a:stretch>
+        </p:blipFill>
+        <p:spPr>
+          <a:xfrm>
+            <a:off x="1532620" y="42725"/>
+            <a:ext cx="9126761" cy="6772548"/>
+          </a:xfrm>
+          <a:prstGeom prst="rect">
+            <a:avLst/>
+          </a:prstGeom>
+        </p:spPr>
+      </p:pic>
+    </p:spTree>
+    <p:extLst>
+      <p:ext uri="{BB962C8B-B14F-4D97-AF65-F5344CB8AC3E}">
+        <p14:creationId xmlns:p14="http://schemas.microsoft.com/office/powerpoint/2010/main" val="1845696323"/>
+      </p:ext>
+    </p:extLst>
+  </p:cSld>
+  <p:clrMapOvr>
+    <a:masterClrMapping/>
+  </p:clrMapOvr>
+</p:sld>
+</file>
+
+<file path=ppt/slides/slide13.xml><?xml version="1.0" encoding="utf-8"?>
+<p:sld xmlns:a="http://schemas.openxmlformats.org/drawingml/2006/main" xmlns:r="http://schemas.openxmlformats.org/officeDocument/2006/relationships" xmlns:p="http://schemas.openxmlformats.org/presentationml/2006/main">
+  <p:cSld>
+    <p:spTree>
+      <p:nvGrpSpPr>
+        <p:cNvPr id="1" name=""/>
+        <p:cNvGrpSpPr/>
+        <p:nvPr/>
+      </p:nvGrpSpPr>
+      <p:grpSpPr>
+        <a:xfrm>
+          <a:off x="0" y="0"/>
+          <a:ext cx="0" cy="0"/>
+          <a:chOff x="0" y="0"/>
+          <a:chExt cx="0" cy="0"/>
+        </a:xfrm>
+      </p:grpSpPr>
+      <p:pic>
+        <p:nvPicPr>
+          <p:cNvPr id="3" name="Picture 2">
+            <a:extLst>
+              <a:ext uri="{FF2B5EF4-FFF2-40B4-BE49-F238E27FC236}">
+                <a16:creationId xmlns:a16="http://schemas.microsoft.com/office/drawing/2014/main" id="{FF40DBC5-D377-4083-B833-9BD1013D5DA7}"/>
+              </a:ext>
+            </a:extLst>
+          </p:cNvPr>
+          <p:cNvPicPr>
+            <a:picLocks noChangeAspect="1"/>
+          </p:cNvPicPr>
+          <p:nvPr/>
+        </p:nvPicPr>
+        <p:blipFill>
+          <a:blip r:embed="rId2"/>
+          <a:stretch>
+            <a:fillRect/>
+          </a:stretch>
+        </p:blipFill>
+        <p:spPr>
+          <a:xfrm>
+            <a:off x="66692" y="689081"/>
+            <a:ext cx="12058616" cy="5479838"/>
+          </a:xfrm>
+          <a:prstGeom prst="rect">
+            <a:avLst/>
+          </a:prstGeom>
+        </p:spPr>
+      </p:pic>
     </p:spTree>
     <p:extLst>
       <p:ext uri="{BB962C8B-B14F-4D97-AF65-F5344CB8AC3E}">
         <p14:creationId xmlns:p14="http://schemas.microsoft.com/office/powerpoint/2010/main" val="90244713"/>
+      </p:ext>
+    </p:extLst>
+  </p:cSld>
+  <p:clrMapOvr>
+    <a:masterClrMapping/>
+  </p:clrMapOvr>
+</p:sld>
+</file>
+
+<file path=ppt/slides/slide14.xml><?xml version="1.0" encoding="utf-8"?>
+<p:sld xmlns:a="http://schemas.openxmlformats.org/drawingml/2006/main" xmlns:r="http://schemas.openxmlformats.org/officeDocument/2006/relationships" xmlns:p="http://schemas.openxmlformats.org/presentationml/2006/main">
+  <p:cSld>
+    <p:spTree>
+      <p:nvGrpSpPr>
+        <p:cNvPr id="1" name=""/>
+        <p:cNvGrpSpPr/>
+        <p:nvPr/>
+      </p:nvGrpSpPr>
+      <p:grpSpPr>
+        <a:xfrm>
+          <a:off x="0" y="0"/>
+          <a:ext cx="0" cy="0"/>
+          <a:chOff x="0" y="0"/>
+          <a:chExt cx="0" cy="0"/>
+        </a:xfrm>
+      </p:grpSpPr>
+      <p:pic>
+        <p:nvPicPr>
+          <p:cNvPr id="3" name="Picture 2">
+            <a:extLst>
+              <a:ext uri="{FF2B5EF4-FFF2-40B4-BE49-F238E27FC236}">
+                <a16:creationId xmlns:a16="http://schemas.microsoft.com/office/drawing/2014/main" id="{66933056-55BA-4449-B233-FF7774DF83AB}"/>
+              </a:ext>
+            </a:extLst>
+          </p:cNvPr>
+          <p:cNvPicPr>
+            <a:picLocks noChangeAspect="1"/>
+          </p:cNvPicPr>
+          <p:nvPr/>
+        </p:nvPicPr>
+        <p:blipFill>
+          <a:blip r:embed="rId2"/>
+          <a:stretch>
+            <a:fillRect/>
+          </a:stretch>
+        </p:blipFill>
+        <p:spPr>
+          <a:xfrm>
+            <a:off x="22141" y="703931"/>
+            <a:ext cx="12147719" cy="5450138"/>
+          </a:xfrm>
+          <a:prstGeom prst="rect">
+            <a:avLst/>
+          </a:prstGeom>
+        </p:spPr>
+      </p:pic>
+    </p:spTree>
+    <p:extLst>
+      <p:ext uri="{BB962C8B-B14F-4D97-AF65-F5344CB8AC3E}">
+        <p14:creationId xmlns:p14="http://schemas.microsoft.com/office/powerpoint/2010/main" val="2369673411"/>
+      </p:ext>
+    </p:extLst>
+  </p:cSld>
+  <p:clrMapOvr>
+    <a:masterClrMapping/>
+  </p:clrMapOvr>
+</p:sld>
+</file>
+
+<file path=ppt/slides/slide15.xml><?xml version="1.0" encoding="utf-8"?>
+<p:sld xmlns:a="http://schemas.openxmlformats.org/drawingml/2006/main" xmlns:r="http://schemas.openxmlformats.org/officeDocument/2006/relationships" xmlns:p="http://schemas.openxmlformats.org/presentationml/2006/main">
+  <p:cSld>
+    <p:spTree>
+      <p:nvGrpSpPr>
+        <p:cNvPr id="1" name=""/>
+        <p:cNvGrpSpPr/>
+        <p:nvPr/>
+      </p:nvGrpSpPr>
+      <p:grpSpPr>
+        <a:xfrm>
+          <a:off x="0" y="0"/>
+          <a:ext cx="0" cy="0"/>
+          <a:chOff x="0" y="0"/>
+          <a:chExt cx="0" cy="0"/>
+        </a:xfrm>
+      </p:grpSpPr>
+      <p:pic>
+        <p:nvPicPr>
+          <p:cNvPr id="3" name="Picture 2">
+            <a:extLst>
+              <a:ext uri="{FF2B5EF4-FFF2-40B4-BE49-F238E27FC236}">
+                <a16:creationId xmlns:a16="http://schemas.microsoft.com/office/drawing/2014/main" id="{73A735CB-65EB-460D-81AC-118CC4A9F8C9}"/>
+              </a:ext>
+            </a:extLst>
+          </p:cNvPr>
+          <p:cNvPicPr>
+            <a:picLocks noChangeAspect="1"/>
+          </p:cNvPicPr>
+          <p:nvPr/>
+        </p:nvPicPr>
+        <p:blipFill>
+          <a:blip r:embed="rId2"/>
+          <a:stretch>
+            <a:fillRect/>
+          </a:stretch>
+        </p:blipFill>
+        <p:spPr>
+          <a:xfrm>
+            <a:off x="513557" y="377896"/>
+            <a:ext cx="11164886" cy="6102209"/>
+          </a:xfrm>
+          <a:prstGeom prst="rect">
+            <a:avLst/>
+          </a:prstGeom>
+        </p:spPr>
+      </p:pic>
+    </p:spTree>
+    <p:extLst>
+      <p:ext uri="{BB962C8B-B14F-4D97-AF65-F5344CB8AC3E}">
+        <p14:creationId xmlns:p14="http://schemas.microsoft.com/office/powerpoint/2010/main" val="791969700"/>
+      </p:ext>
+    </p:extLst>
+  </p:cSld>
+  <p:clrMapOvr>
+    <a:masterClrMapping/>
+  </p:clrMapOvr>
+</p:sld>
+</file>
+
+<file path=ppt/slides/slide16.xml><?xml version="1.0" encoding="utf-8"?>
+<p:sld xmlns:a="http://schemas.openxmlformats.org/drawingml/2006/main" xmlns:r="http://schemas.openxmlformats.org/officeDocument/2006/relationships" xmlns:p="http://schemas.openxmlformats.org/presentationml/2006/main">
+  <p:cSld>
+    <p:spTree>
+      <p:nvGrpSpPr>
+        <p:cNvPr id="1" name=""/>
+        <p:cNvGrpSpPr/>
+        <p:nvPr/>
+      </p:nvGrpSpPr>
+      <p:grpSpPr>
+        <a:xfrm>
+          <a:off x="0" y="0"/>
+          <a:ext cx="0" cy="0"/>
+          <a:chOff x="0" y="0"/>
+          <a:chExt cx="0" cy="0"/>
+        </a:xfrm>
+      </p:grpSpPr>
+    </p:spTree>
+    <p:extLst>
+      <p:ext uri="{BB962C8B-B14F-4D97-AF65-F5344CB8AC3E}">
+        <p14:creationId xmlns:p14="http://schemas.microsoft.com/office/powerpoint/2010/main" val="595659507"/>
+      </p:ext>
+    </p:extLst>
+  </p:cSld>
+  <p:clrMapOvr>
+    <a:masterClrMapping/>
+  </p:clrMapOvr>
+</p:sld>
+</file>
+
+<file path=ppt/slides/slide17.xml><?xml version="1.0" encoding="utf-8"?>
+<p:sld xmlns:a="http://schemas.openxmlformats.org/drawingml/2006/main" xmlns:r="http://schemas.openxmlformats.org/officeDocument/2006/relationships" xmlns:p="http://schemas.openxmlformats.org/presentationml/2006/main">
+  <p:cSld>
+    <p:spTree>
+      <p:nvGrpSpPr>
+        <p:cNvPr id="1" name=""/>
+        <p:cNvGrpSpPr/>
+        <p:nvPr/>
+      </p:nvGrpSpPr>
+      <p:grpSpPr>
+        <a:xfrm>
+          <a:off x="0" y="0"/>
+          <a:ext cx="0" cy="0"/>
+          <a:chOff x="0" y="0"/>
+          <a:chExt cx="0" cy="0"/>
+        </a:xfrm>
+      </p:grpSpPr>
+    </p:spTree>
+    <p:extLst>
+      <p:ext uri="{BB962C8B-B14F-4D97-AF65-F5344CB8AC3E}">
+        <p14:creationId xmlns:p14="http://schemas.microsoft.com/office/powerpoint/2010/main" val="3819485812"/>
+      </p:ext>
+    </p:extLst>
+  </p:cSld>
+  <p:clrMapOvr>
+    <a:masterClrMapping/>
+  </p:clrMapOvr>
+</p:sld>
+</file>
+
+<file path=ppt/slides/slide18.xml><?xml version="1.0" encoding="utf-8"?>
+<p:sld xmlns:a="http://schemas.openxmlformats.org/drawingml/2006/main" xmlns:r="http://schemas.openxmlformats.org/officeDocument/2006/relationships" xmlns:p="http://schemas.openxmlformats.org/presentationml/2006/main">
+  <p:cSld>
+    <p:spTree>
+      <p:nvGrpSpPr>
+        <p:cNvPr id="1" name=""/>
+        <p:cNvGrpSpPr/>
+        <p:nvPr/>
+      </p:nvGrpSpPr>
+      <p:grpSpPr>
+        <a:xfrm>
+          <a:off x="0" y="0"/>
+          <a:ext cx="0" cy="0"/>
+          <a:chOff x="0" y="0"/>
+          <a:chExt cx="0" cy="0"/>
+        </a:xfrm>
+      </p:grpSpPr>
+    </p:spTree>
+    <p:extLst>
+      <p:ext uri="{BB962C8B-B14F-4D97-AF65-F5344CB8AC3E}">
+        <p14:creationId xmlns:p14="http://schemas.microsoft.com/office/powerpoint/2010/main" val="1120734332"/>
+      </p:ext>
+    </p:extLst>
+  </p:cSld>
+  <p:clrMapOvr>
+    <a:masterClrMapping/>
+  </p:clrMapOvr>
+</p:sld>
+</file>
+
+<file path=ppt/slides/slide19.xml><?xml version="1.0" encoding="utf-8"?>
+<p:sld xmlns:a="http://schemas.openxmlformats.org/drawingml/2006/main" xmlns:r="http://schemas.openxmlformats.org/officeDocument/2006/relationships" xmlns:p="http://schemas.openxmlformats.org/presentationml/2006/main">
+  <p:cSld>
+    <p:spTree>
+      <p:nvGrpSpPr>
+        <p:cNvPr id="1" name=""/>
+        <p:cNvGrpSpPr/>
+        <p:nvPr/>
+      </p:nvGrpSpPr>
+      <p:grpSpPr>
+        <a:xfrm>
+          <a:off x="0" y="0"/>
+          <a:ext cx="0" cy="0"/>
+          <a:chOff x="0" y="0"/>
+          <a:chExt cx="0" cy="0"/>
+        </a:xfrm>
+      </p:grpSpPr>
+    </p:spTree>
+    <p:extLst>
+      <p:ext uri="{BB962C8B-B14F-4D97-AF65-F5344CB8AC3E}">
+        <p14:creationId xmlns:p14="http://schemas.microsoft.com/office/powerpoint/2010/main" val="363197448"/>
       </p:ext>
     </p:extLst>
   </p:cSld>
@@ -3461,6 +3982,36 @@
           <a:chExt cx="0" cy="0"/>
         </a:xfrm>
       </p:grpSpPr>
+      <p:pic>
+        <p:nvPicPr>
+          <p:cNvPr id="3" name="Picture 2">
+            <a:extLst>
+              <a:ext uri="{FF2B5EF4-FFF2-40B4-BE49-F238E27FC236}">
+                <a16:creationId xmlns:a16="http://schemas.microsoft.com/office/drawing/2014/main" id="{AD7D22CB-9579-4832-83BC-939DF0307F4D}"/>
+              </a:ext>
+            </a:extLst>
+          </p:cNvPr>
+          <p:cNvPicPr>
+            <a:picLocks noChangeAspect="1"/>
+          </p:cNvPicPr>
+          <p:nvPr/>
+        </p:nvPicPr>
+        <p:blipFill>
+          <a:blip r:embed="rId2"/>
+          <a:stretch>
+            <a:fillRect/>
+          </a:stretch>
+        </p:blipFill>
+        <p:spPr>
+          <a:xfrm>
+            <a:off x="1209404" y="178137"/>
+            <a:ext cx="10244530" cy="6501726"/>
+          </a:xfrm>
+          <a:prstGeom prst="rect">
+            <a:avLst/>
+          </a:prstGeom>
+        </p:spPr>
+      </p:pic>
     </p:spTree>
     <p:extLst>
       <p:ext uri="{BB962C8B-B14F-4D97-AF65-F5344CB8AC3E}">
@@ -3491,6 +4042,36 @@
           <a:chExt cx="0" cy="0"/>
         </a:xfrm>
       </p:grpSpPr>
+      <p:pic>
+        <p:nvPicPr>
+          <p:cNvPr id="3" name="Picture 2">
+            <a:extLst>
+              <a:ext uri="{FF2B5EF4-FFF2-40B4-BE49-F238E27FC236}">
+                <a16:creationId xmlns:a16="http://schemas.microsoft.com/office/drawing/2014/main" id="{EF1D2CB6-9CF9-45A4-96E7-22B494E22614}"/>
+              </a:ext>
+            </a:extLst>
+          </p:cNvPr>
+          <p:cNvPicPr>
+            <a:picLocks noChangeAspect="1"/>
+          </p:cNvPicPr>
+          <p:nvPr/>
+        </p:nvPicPr>
+        <p:blipFill>
+          <a:blip r:embed="rId2"/>
+          <a:stretch>
+            <a:fillRect/>
+          </a:stretch>
+        </p:blipFill>
+        <p:spPr>
+          <a:xfrm>
+            <a:off x="2755484" y="122014"/>
+            <a:ext cx="6681033" cy="6613971"/>
+          </a:xfrm>
+          <a:prstGeom prst="rect">
+            <a:avLst/>
+          </a:prstGeom>
+        </p:spPr>
+      </p:pic>
     </p:spTree>
     <p:extLst>
       <p:ext uri="{BB962C8B-B14F-4D97-AF65-F5344CB8AC3E}">
@@ -3521,6 +4102,36 @@
           <a:chExt cx="0" cy="0"/>
         </a:xfrm>
       </p:grpSpPr>
+      <p:pic>
+        <p:nvPicPr>
+          <p:cNvPr id="3" name="Picture 2">
+            <a:extLst>
+              <a:ext uri="{FF2B5EF4-FFF2-40B4-BE49-F238E27FC236}">
+                <a16:creationId xmlns:a16="http://schemas.microsoft.com/office/drawing/2014/main" id="{23063418-2D07-44E4-9C94-9D393CE4A1A3}"/>
+              </a:ext>
+            </a:extLst>
+          </p:cNvPr>
+          <p:cNvPicPr>
+            <a:picLocks noChangeAspect="1"/>
+          </p:cNvPicPr>
+          <p:nvPr/>
+        </p:nvPicPr>
+        <p:blipFill>
+          <a:blip r:embed="rId2"/>
+          <a:stretch>
+            <a:fillRect/>
+          </a:stretch>
+        </p:blipFill>
+        <p:spPr>
+          <a:xfrm>
+            <a:off x="178071" y="-1469"/>
+            <a:ext cx="11835858" cy="6860937"/>
+          </a:xfrm>
+          <a:prstGeom prst="rect">
+            <a:avLst/>
+          </a:prstGeom>
+        </p:spPr>
+      </p:pic>
     </p:spTree>
     <p:extLst>
       <p:ext uri="{BB962C8B-B14F-4D97-AF65-F5344CB8AC3E}">
@@ -3551,6 +4162,36 @@
           <a:chExt cx="0" cy="0"/>
         </a:xfrm>
       </p:grpSpPr>
+      <p:pic>
+        <p:nvPicPr>
+          <p:cNvPr id="3" name="Picture 2">
+            <a:extLst>
+              <a:ext uri="{FF2B5EF4-FFF2-40B4-BE49-F238E27FC236}">
+                <a16:creationId xmlns:a16="http://schemas.microsoft.com/office/drawing/2014/main" id="{6A9E245B-5F89-4F0B-A8E4-9E0037DDA8E4}"/>
+              </a:ext>
+            </a:extLst>
+          </p:cNvPr>
+          <p:cNvPicPr>
+            <a:picLocks noChangeAspect="1"/>
+          </p:cNvPicPr>
+          <p:nvPr/>
+        </p:nvPicPr>
+        <p:blipFill>
+          <a:blip r:embed="rId2"/>
+          <a:stretch>
+            <a:fillRect/>
+          </a:stretch>
+        </p:blipFill>
+        <p:spPr>
+          <a:xfrm>
+            <a:off x="33065" y="201161"/>
+            <a:ext cx="12125871" cy="6455677"/>
+          </a:xfrm>
+          <a:prstGeom prst="rect">
+            <a:avLst/>
+          </a:prstGeom>
+        </p:spPr>
+      </p:pic>
     </p:spTree>
     <p:extLst>
       <p:ext uri="{BB962C8B-B14F-4D97-AF65-F5344CB8AC3E}">
@@ -3581,10 +4222,40 @@
           <a:chExt cx="0" cy="0"/>
         </a:xfrm>
       </p:grpSpPr>
+      <p:pic>
+        <p:nvPicPr>
+          <p:cNvPr id="3" name="Picture 2">
+            <a:extLst>
+              <a:ext uri="{FF2B5EF4-FFF2-40B4-BE49-F238E27FC236}">
+                <a16:creationId xmlns:a16="http://schemas.microsoft.com/office/drawing/2014/main" id="{BEDF0481-8EAC-4EC7-A876-9880723C0DC5}"/>
+              </a:ext>
+            </a:extLst>
+          </p:cNvPr>
+          <p:cNvPicPr>
+            <a:picLocks noChangeAspect="1"/>
+          </p:cNvPicPr>
+          <p:nvPr/>
+        </p:nvPicPr>
+        <p:blipFill>
+          <a:blip r:embed="rId2"/>
+          <a:stretch>
+            <a:fillRect/>
+          </a:stretch>
+        </p:blipFill>
+        <p:spPr>
+          <a:xfrm>
+            <a:off x="534032" y="449971"/>
+            <a:ext cx="11123937" cy="5958057"/>
+          </a:xfrm>
+          <a:prstGeom prst="rect">
+            <a:avLst/>
+          </a:prstGeom>
+        </p:spPr>
+      </p:pic>
     </p:spTree>
     <p:extLst>
       <p:ext uri="{BB962C8B-B14F-4D97-AF65-F5344CB8AC3E}">
-        <p14:creationId xmlns:p14="http://schemas.microsoft.com/office/powerpoint/2010/main" val="1003819641"/>
+        <p14:creationId xmlns:p14="http://schemas.microsoft.com/office/powerpoint/2010/main" val="3400539872"/>
       </p:ext>
     </p:extLst>
   </p:cSld>
@@ -3611,10 +4282,40 @@
           <a:chExt cx="0" cy="0"/>
         </a:xfrm>
       </p:grpSpPr>
+      <p:pic>
+        <p:nvPicPr>
+          <p:cNvPr id="3" name="Picture 2">
+            <a:extLst>
+              <a:ext uri="{FF2B5EF4-FFF2-40B4-BE49-F238E27FC236}">
+                <a16:creationId xmlns:a16="http://schemas.microsoft.com/office/drawing/2014/main" id="{80C2FD59-714D-45B1-8FE5-C0A220B40523}"/>
+              </a:ext>
+            </a:extLst>
+          </p:cNvPr>
+          <p:cNvPicPr>
+            <a:picLocks noChangeAspect="1"/>
+          </p:cNvPicPr>
+          <p:nvPr/>
+        </p:nvPicPr>
+        <p:blipFill>
+          <a:blip r:embed="rId2"/>
+          <a:stretch>
+            <a:fillRect/>
+          </a:stretch>
+        </p:blipFill>
+        <p:spPr>
+          <a:xfrm>
+            <a:off x="2763865" y="226797"/>
+            <a:ext cx="6664268" cy="6404404"/>
+          </a:xfrm>
+          <a:prstGeom prst="rect">
+            <a:avLst/>
+          </a:prstGeom>
+        </p:spPr>
+      </p:pic>
     </p:spTree>
     <p:extLst>
       <p:ext uri="{BB962C8B-B14F-4D97-AF65-F5344CB8AC3E}">
-        <p14:creationId xmlns:p14="http://schemas.microsoft.com/office/powerpoint/2010/main" val="2416227505"/>
+        <p14:creationId xmlns:p14="http://schemas.microsoft.com/office/powerpoint/2010/main" val="2208685236"/>
       </p:ext>
     </p:extLst>
   </p:cSld>
@@ -3641,10 +4342,40 @@
           <a:chExt cx="0" cy="0"/>
         </a:xfrm>
       </p:grpSpPr>
+      <p:pic>
+        <p:nvPicPr>
+          <p:cNvPr id="3" name="Picture 2">
+            <a:extLst>
+              <a:ext uri="{FF2B5EF4-FFF2-40B4-BE49-F238E27FC236}">
+                <a16:creationId xmlns:a16="http://schemas.microsoft.com/office/drawing/2014/main" id="{7D78F9FA-0AB9-4348-AAB9-DA657EBA49BF}"/>
+              </a:ext>
+            </a:extLst>
+          </p:cNvPr>
+          <p:cNvPicPr>
+            <a:picLocks noChangeAspect="1"/>
+          </p:cNvPicPr>
+          <p:nvPr/>
+        </p:nvPicPr>
+        <p:blipFill>
+          <a:blip r:embed="rId2"/>
+          <a:stretch>
+            <a:fillRect/>
+          </a:stretch>
+        </p:blipFill>
+        <p:spPr>
+          <a:xfrm>
+            <a:off x="1070144" y="53884"/>
+            <a:ext cx="10051710" cy="6750231"/>
+          </a:xfrm>
+          <a:prstGeom prst="rect">
+            <a:avLst/>
+          </a:prstGeom>
+        </p:spPr>
+      </p:pic>
     </p:spTree>
     <p:extLst>
       <p:ext uri="{BB962C8B-B14F-4D97-AF65-F5344CB8AC3E}">
-        <p14:creationId xmlns:p14="http://schemas.microsoft.com/office/powerpoint/2010/main" val="4060154787"/>
+        <p14:creationId xmlns:p14="http://schemas.microsoft.com/office/powerpoint/2010/main" val="3070290464"/>
       </p:ext>
     </p:extLst>
   </p:cSld>
@@ -3671,10 +4402,40 @@
           <a:chExt cx="0" cy="0"/>
         </a:xfrm>
       </p:grpSpPr>
+      <p:pic>
+        <p:nvPicPr>
+          <p:cNvPr id="3" name="Picture 2">
+            <a:extLst>
+              <a:ext uri="{FF2B5EF4-FFF2-40B4-BE49-F238E27FC236}">
+                <a16:creationId xmlns:a16="http://schemas.microsoft.com/office/drawing/2014/main" id="{A14C2854-9FE0-4677-AE33-B1BC96FBD3B8}"/>
+              </a:ext>
+            </a:extLst>
+          </p:cNvPr>
+          <p:cNvPicPr>
+            <a:picLocks noChangeAspect="1"/>
+          </p:cNvPicPr>
+          <p:nvPr/>
+        </p:nvPicPr>
+        <p:blipFill>
+          <a:blip r:embed="rId2"/>
+          <a:stretch>
+            <a:fillRect/>
+          </a:stretch>
+        </p:blipFill>
+        <p:spPr>
+          <a:xfrm>
+            <a:off x="2768058" y="272903"/>
+            <a:ext cx="6655884" cy="6312193"/>
+          </a:xfrm>
+          <a:prstGeom prst="rect">
+            <a:avLst/>
+          </a:prstGeom>
+        </p:spPr>
+      </p:pic>
     </p:spTree>
     <p:extLst>
       <p:ext uri="{BB962C8B-B14F-4D97-AF65-F5344CB8AC3E}">
-        <p14:creationId xmlns:p14="http://schemas.microsoft.com/office/powerpoint/2010/main" val="1845696323"/>
+        <p14:creationId xmlns:p14="http://schemas.microsoft.com/office/powerpoint/2010/main" val="1003819641"/>
       </p:ext>
     </p:extLst>
   </p:cSld>
